--- a/Презентации/ПРИ115-РПС-КП_03.pptx
+++ b/Презентации/ПРИ115-РПС-КП_03.pptx
@@ -218,7 +218,7 @@
           <a:p>
             <a:fld id="{C71DBBF6-6254-4642-B767-D9A3061A91A5}" type="datetimeFigureOut">
               <a:rPr lang="ru-RU" smtClean="0"/>
-              <a:t>14.02.2018</a:t>
+              <a:t>07.06.2018</a:t>
             </a:fld>
             <a:endParaRPr lang="ru-RU"/>
           </a:p>
@@ -701,7 +701,7 @@
           <a:p>
             <a:fld id="{4C8250DA-7E40-49FF-B948-D72DB3FEE17C}" type="datetime1">
               <a:rPr lang="ru-RU" smtClean="0"/>
-              <a:t>14.02.2018</a:t>
+              <a:t>07.06.2018</a:t>
             </a:fld>
             <a:endParaRPr lang="ru-RU"/>
           </a:p>
@@ -871,7 +871,7 @@
           <a:p>
             <a:fld id="{E806397E-734D-4271-B3C7-B5AE8CC20643}" type="datetime1">
               <a:rPr lang="ru-RU" smtClean="0"/>
-              <a:t>14.02.2018</a:t>
+              <a:t>07.06.2018</a:t>
             </a:fld>
             <a:endParaRPr lang="ru-RU"/>
           </a:p>
@@ -1051,7 +1051,7 @@
           <a:p>
             <a:fld id="{DDC93129-3A8D-419F-9D02-85B0E173B5D4}" type="datetime1">
               <a:rPr lang="ru-RU" smtClean="0"/>
-              <a:t>14.02.2018</a:t>
+              <a:t>07.06.2018</a:t>
             </a:fld>
             <a:endParaRPr lang="ru-RU"/>
           </a:p>
@@ -1221,7 +1221,7 @@
           <a:p>
             <a:fld id="{3691798D-5CC2-443C-B2E4-AC303640E9DB}" type="datetime1">
               <a:rPr lang="ru-RU" smtClean="0"/>
-              <a:t>14.02.2018</a:t>
+              <a:t>07.06.2018</a:t>
             </a:fld>
             <a:endParaRPr lang="ru-RU"/>
           </a:p>
@@ -1467,7 +1467,7 @@
           <a:p>
             <a:fld id="{014898AD-2E09-46C9-AEA0-1459A9929F70}" type="datetime1">
               <a:rPr lang="ru-RU" smtClean="0"/>
-              <a:t>14.02.2018</a:t>
+              <a:t>07.06.2018</a:t>
             </a:fld>
             <a:endParaRPr lang="ru-RU"/>
           </a:p>
@@ -1699,7 +1699,7 @@
           <a:p>
             <a:fld id="{97D0E5F6-A9CF-403A-B2CB-A5245FBC6114}" type="datetime1">
               <a:rPr lang="ru-RU" smtClean="0"/>
-              <a:t>14.02.2018</a:t>
+              <a:t>07.06.2018</a:t>
             </a:fld>
             <a:endParaRPr lang="ru-RU"/>
           </a:p>
@@ -2066,7 +2066,7 @@
           <a:p>
             <a:fld id="{2F3CCD84-59D7-4EBF-8D67-0096F38EC6A0}" type="datetime1">
               <a:rPr lang="ru-RU" smtClean="0"/>
-              <a:t>14.02.2018</a:t>
+              <a:t>07.06.2018</a:t>
             </a:fld>
             <a:endParaRPr lang="ru-RU"/>
           </a:p>
@@ -2184,7 +2184,7 @@
           <a:p>
             <a:fld id="{24FB419C-555D-4776-9914-C0E2BE32D0D3}" type="datetime1">
               <a:rPr lang="ru-RU" smtClean="0"/>
-              <a:t>14.02.2018</a:t>
+              <a:t>07.06.2018</a:t>
             </a:fld>
             <a:endParaRPr lang="ru-RU"/>
           </a:p>
@@ -2279,7 +2279,7 @@
           <a:p>
             <a:fld id="{BF14ABA8-3EF1-48FE-8051-2EA5A97E6791}" type="datetime1">
               <a:rPr lang="ru-RU" smtClean="0"/>
-              <a:t>14.02.2018</a:t>
+              <a:t>07.06.2018</a:t>
             </a:fld>
             <a:endParaRPr lang="ru-RU"/>
           </a:p>
@@ -2556,7 +2556,7 @@
           <a:p>
             <a:fld id="{8C2BEA58-CBF2-4E81-B2C8-C466CCBA0588}" type="datetime1">
               <a:rPr lang="ru-RU" smtClean="0"/>
-              <a:t>14.02.2018</a:t>
+              <a:t>07.06.2018</a:t>
             </a:fld>
             <a:endParaRPr lang="ru-RU"/>
           </a:p>
@@ -2809,7 +2809,7 @@
           <a:p>
             <a:fld id="{801534E6-1148-4821-AEBF-378E76902D1F}" type="datetime1">
               <a:rPr lang="ru-RU" smtClean="0"/>
-              <a:t>14.02.2018</a:t>
+              <a:t>07.06.2018</a:t>
             </a:fld>
             <a:endParaRPr lang="ru-RU"/>
           </a:p>
@@ -3022,7 +3022,7 @@
           <a:p>
             <a:fld id="{8267556D-928A-405D-8213-123659AFD8C6}" type="datetime1">
               <a:rPr lang="ru-RU" smtClean="0"/>
-              <a:t>14.02.2018</a:t>
+              <a:t>07.06.2018</a:t>
             </a:fld>
             <a:endParaRPr lang="ru-RU"/>
           </a:p>
@@ -5342,13 +5342,7 @@
               <a:rPr lang="ru-RU" sz="2400" b="1" dirty="0" smtClean="0">
                 <a:latin typeface="Verdana" panose="020B0604030504040204" pitchFamily="34" charset="0"/>
               </a:rPr>
-              <a:t>последовательностей. </a:t>
-            </a:r>
-            <a:r>
-              <a:rPr lang="ru-RU" sz="2400" b="1" dirty="0" smtClean="0">
-                <a:latin typeface="Verdana" panose="020B0604030504040204" pitchFamily="34" charset="0"/>
-              </a:rPr>
-              <a:t>Покупка валюты</a:t>
+              <a:t>последовательностей. Покупка валюты</a:t>
             </a:r>
             <a:endParaRPr lang="ru-RU" sz="2400" b="1" dirty="0">
               <a:solidFill>
